--- a/Calendario2025/presentaciones/18_Expresiones_regulares.pptx
+++ b/Calendario2025/presentaciones/18_Expresiones_regulares.pptx
@@ -28,9 +28,9 @@
     <p:sldId id="673" r:id="rId19"/>
     <p:sldId id="675" r:id="rId20"/>
     <p:sldId id="676" r:id="rId21"/>
-    <p:sldId id="697" r:id="rId22"/>
+    <p:sldId id="699" r:id="rId22"/>
     <p:sldId id="698" r:id="rId23"/>
-    <p:sldId id="699" r:id="rId24"/>
+    <p:sldId id="697" r:id="rId24"/>
     <p:sldId id="677" r:id="rId25"/>
     <p:sldId id="678" r:id="rId26"/>
     <p:sldId id="727" r:id="rId27"/>
@@ -55,10 +55,10 @@
     <p:sldId id="674" r:id="rId46"/>
     <p:sldId id="730" r:id="rId47"/>
     <p:sldId id="685" r:id="rId48"/>
-    <p:sldId id="689" r:id="rId49"/>
-    <p:sldId id="729" r:id="rId50"/>
-    <p:sldId id="691" r:id="rId51"/>
-    <p:sldId id="686" r:id="rId52"/>
+    <p:sldId id="731" r:id="rId49"/>
+    <p:sldId id="689" r:id="rId50"/>
+    <p:sldId id="729" r:id="rId51"/>
+    <p:sldId id="691" r:id="rId52"/>
     <p:sldId id="728" r:id="rId53"/>
     <p:sldId id="282" r:id="rId54"/>
   </p:sldIdLst>
@@ -260,7 +260,7 @@
           <a:p>
             <a:fld id="{DDE721D5-655F-45D2-B717-3C4CD78C8568}" type="datetimeFigureOut">
               <a:rPr lang="es-MX" smtClean="0"/>
-              <a:t>28/08/2024</a:t>
+              <a:t>05/03/2025</a:t>
             </a:fld>
             <a:endParaRPr lang="es-MX" dirty="0"/>
           </a:p>
@@ -1610,7 +1610,7 @@
     </p:spTree>
     <p:extLst>
       <p:ext uri="{BB962C8B-B14F-4D97-AF65-F5344CB8AC3E}">
-        <p14:creationId xmlns:p14="http://schemas.microsoft.com/office/powerpoint/2010/main" val="1738750602"/>
+        <p14:creationId xmlns:p14="http://schemas.microsoft.com/office/powerpoint/2010/main" val="481050306"/>
       </p:ext>
     </p:extLst>
   </p:cSld>
@@ -1778,7 +1778,7 @@
     </p:spTree>
     <p:extLst>
       <p:ext uri="{BB962C8B-B14F-4D97-AF65-F5344CB8AC3E}">
-        <p14:creationId xmlns:p14="http://schemas.microsoft.com/office/powerpoint/2010/main" val="481050306"/>
+        <p14:creationId xmlns:p14="http://schemas.microsoft.com/office/powerpoint/2010/main" val="1738750602"/>
       </p:ext>
     </p:extLst>
   </p:cSld>
@@ -3977,7 +3977,13 @@
   <p:cSld>
     <p:spTree>
       <p:nvGrpSpPr>
-        <p:cNvPr id="1" name=""/>
+        <p:cNvPr id="1" name="">
+          <a:extLst>
+            <a:ext uri="{FF2B5EF4-FFF2-40B4-BE49-F238E27FC236}">
+              <a16:creationId xmlns:a16="http://schemas.microsoft.com/office/drawing/2014/main" id="{1163BE30-960E-5F3D-F99F-B27E95C8E26C}"/>
+            </a:ext>
+          </a:extLst>
+        </p:cNvPr>
         <p:cNvGrpSpPr/>
         <p:nvPr/>
       </p:nvGrpSpPr>
@@ -3991,7 +3997,13 @@
       </p:grpSpPr>
       <p:sp>
         <p:nvSpPr>
-          <p:cNvPr id="2" name="Marcador de imagen de diapositiva 1"/>
+          <p:cNvPr id="2" name="Marcador de imagen de diapositiva 1">
+            <a:extLst>
+              <a:ext uri="{FF2B5EF4-FFF2-40B4-BE49-F238E27FC236}">
+                <a16:creationId xmlns:a16="http://schemas.microsoft.com/office/drawing/2014/main" id="{8E0AE22D-79F9-5A37-5E1F-33A603E1A049}"/>
+              </a:ext>
+            </a:extLst>
+          </p:cNvPr>
           <p:cNvSpPr>
             <a:spLocks noGrp="1" noRot="1" noChangeAspect="1"/>
           </p:cNvSpPr>
@@ -4003,7 +4015,13 @@
       </p:sp>
       <p:sp>
         <p:nvSpPr>
-          <p:cNvPr id="3" name="Marcador de notas 2"/>
+          <p:cNvPr id="3" name="Marcador de notas 2">
+            <a:extLst>
+              <a:ext uri="{FF2B5EF4-FFF2-40B4-BE49-F238E27FC236}">
+                <a16:creationId xmlns:a16="http://schemas.microsoft.com/office/drawing/2014/main" id="{9249C304-BEF3-1091-90C4-64AD00EF8000}"/>
+              </a:ext>
+            </a:extLst>
+          </p:cNvPr>
           <p:cNvSpPr>
             <a:spLocks noGrp="1"/>
           </p:cNvSpPr>
@@ -4022,7 +4040,13 @@
       </p:sp>
       <p:sp>
         <p:nvSpPr>
-          <p:cNvPr id="4" name="Marcador de número de diapositiva 3"/>
+          <p:cNvPr id="4" name="Marcador de número de diapositiva 3">
+            <a:extLst>
+              <a:ext uri="{FF2B5EF4-FFF2-40B4-BE49-F238E27FC236}">
+                <a16:creationId xmlns:a16="http://schemas.microsoft.com/office/drawing/2014/main" id="{95F62BCB-2777-0E45-D3DC-D196CA5D4234}"/>
+              </a:ext>
+            </a:extLst>
+          </p:cNvPr>
           <p:cNvSpPr>
             <a:spLocks noGrp="1"/>
           </p:cNvSpPr>
@@ -4046,7 +4070,7 @@
     </p:spTree>
     <p:extLst>
       <p:ext uri="{BB962C8B-B14F-4D97-AF65-F5344CB8AC3E}">
-        <p14:creationId xmlns:p14="http://schemas.microsoft.com/office/powerpoint/2010/main" val="4293576474"/>
+        <p14:creationId xmlns:p14="http://schemas.microsoft.com/office/powerpoint/2010/main" val="232938800"/>
       </p:ext>
     </p:extLst>
   </p:cSld>
@@ -4130,7 +4154,7 @@
     </p:spTree>
     <p:extLst>
       <p:ext uri="{BB962C8B-B14F-4D97-AF65-F5344CB8AC3E}">
-        <p14:creationId xmlns:p14="http://schemas.microsoft.com/office/powerpoint/2010/main" val="2545028243"/>
+        <p14:creationId xmlns:p14="http://schemas.microsoft.com/office/powerpoint/2010/main" val="4293576474"/>
       </p:ext>
     </p:extLst>
   </p:cSld>
@@ -4214,7 +4238,7 @@
     </p:spTree>
     <p:extLst>
       <p:ext uri="{BB962C8B-B14F-4D97-AF65-F5344CB8AC3E}">
-        <p14:creationId xmlns:p14="http://schemas.microsoft.com/office/powerpoint/2010/main" val="216320218"/>
+        <p14:creationId xmlns:p14="http://schemas.microsoft.com/office/powerpoint/2010/main" val="2545028243"/>
       </p:ext>
     </p:extLst>
   </p:cSld>
@@ -4382,7 +4406,7 @@
     </p:spTree>
     <p:extLst>
       <p:ext uri="{BB962C8B-B14F-4D97-AF65-F5344CB8AC3E}">
-        <p14:creationId xmlns:p14="http://schemas.microsoft.com/office/powerpoint/2010/main" val="2545028243"/>
+        <p14:creationId xmlns:p14="http://schemas.microsoft.com/office/powerpoint/2010/main" val="216320218"/>
       </p:ext>
     </p:extLst>
   </p:cSld>
@@ -4993,7 +5017,7 @@
           <a:p>
             <a:fld id="{B3F3E716-CACC-4490-AD07-F24B6A68DE47}" type="datetimeFigureOut">
               <a:rPr lang="es-MX" smtClean="0"/>
-              <a:t>28/08/2024</a:t>
+              <a:t>05/03/2025</a:t>
             </a:fld>
             <a:endParaRPr lang="es-MX" dirty="0"/>
           </a:p>
@@ -5163,7 +5187,7 @@
           <a:p>
             <a:fld id="{B3F3E716-CACC-4490-AD07-F24B6A68DE47}" type="datetimeFigureOut">
               <a:rPr lang="es-MX" smtClean="0"/>
-              <a:t>28/08/2024</a:t>
+              <a:t>05/03/2025</a:t>
             </a:fld>
             <a:endParaRPr lang="es-MX" dirty="0"/>
           </a:p>
@@ -5343,7 +5367,7 @@
           <a:p>
             <a:fld id="{B3F3E716-CACC-4490-AD07-F24B6A68DE47}" type="datetimeFigureOut">
               <a:rPr lang="es-MX" smtClean="0"/>
-              <a:t>28/08/2024</a:t>
+              <a:t>05/03/2025</a:t>
             </a:fld>
             <a:endParaRPr lang="es-MX" dirty="0"/>
           </a:p>
@@ -5496,7 +5520,7 @@
           <a:p>
             <a:fld id="{1D8BD707-D9CF-40AE-B4C6-C98DA3205C09}" type="datetimeFigureOut">
               <a:rPr lang="en-US" smtClean="0"/>
-              <a:t>8/28/2024</a:t>
+              <a:t>3/5/2025</a:t>
             </a:fld>
             <a:endParaRPr lang="en-US" dirty="0"/>
           </a:p>
@@ -5656,7 +5680,7 @@
           <a:p>
             <a:fld id="{B3F3E716-CACC-4490-AD07-F24B6A68DE47}" type="datetimeFigureOut">
               <a:rPr lang="es-MX" smtClean="0"/>
-              <a:t>28/08/2024</a:t>
+              <a:t>05/03/2025</a:t>
             </a:fld>
             <a:endParaRPr lang="es-MX" dirty="0"/>
           </a:p>
@@ -5902,7 +5926,7 @@
           <a:p>
             <a:fld id="{B3F3E716-CACC-4490-AD07-F24B6A68DE47}" type="datetimeFigureOut">
               <a:rPr lang="es-MX" smtClean="0"/>
-              <a:t>28/08/2024</a:t>
+              <a:t>05/03/2025</a:t>
             </a:fld>
             <a:endParaRPr lang="es-MX" dirty="0"/>
           </a:p>
@@ -6190,7 +6214,7 @@
           <a:p>
             <a:fld id="{B3F3E716-CACC-4490-AD07-F24B6A68DE47}" type="datetimeFigureOut">
               <a:rPr lang="es-MX" smtClean="0"/>
-              <a:t>28/08/2024</a:t>
+              <a:t>05/03/2025</a:t>
             </a:fld>
             <a:endParaRPr lang="es-MX" dirty="0"/>
           </a:p>
@@ -6612,7 +6636,7 @@
           <a:p>
             <a:fld id="{B3F3E716-CACC-4490-AD07-F24B6A68DE47}" type="datetimeFigureOut">
               <a:rPr lang="es-MX" smtClean="0"/>
-              <a:t>28/08/2024</a:t>
+              <a:t>05/03/2025</a:t>
             </a:fld>
             <a:endParaRPr lang="es-MX" dirty="0"/>
           </a:p>
@@ -6730,7 +6754,7 @@
           <a:p>
             <a:fld id="{B3F3E716-CACC-4490-AD07-F24B6A68DE47}" type="datetimeFigureOut">
               <a:rPr lang="es-MX" smtClean="0"/>
-              <a:t>28/08/2024</a:t>
+              <a:t>05/03/2025</a:t>
             </a:fld>
             <a:endParaRPr lang="es-MX" dirty="0"/>
           </a:p>
@@ -6825,7 +6849,7 @@
           <a:p>
             <a:fld id="{B3F3E716-CACC-4490-AD07-F24B6A68DE47}" type="datetimeFigureOut">
               <a:rPr lang="es-MX" smtClean="0"/>
-              <a:t>28/08/2024</a:t>
+              <a:t>05/03/2025</a:t>
             </a:fld>
             <a:endParaRPr lang="es-MX" dirty="0"/>
           </a:p>
@@ -7102,7 +7126,7 @@
           <a:p>
             <a:fld id="{B3F3E716-CACC-4490-AD07-F24B6A68DE47}" type="datetimeFigureOut">
               <a:rPr lang="es-MX" smtClean="0"/>
-              <a:t>28/08/2024</a:t>
+              <a:t>05/03/2025</a:t>
             </a:fld>
             <a:endParaRPr lang="es-MX" dirty="0"/>
           </a:p>
@@ -7355,7 +7379,7 @@
           <a:p>
             <a:fld id="{B3F3E716-CACC-4490-AD07-F24B6A68DE47}" type="datetimeFigureOut">
               <a:rPr lang="es-MX" smtClean="0"/>
-              <a:t>28/08/2024</a:t>
+              <a:t>05/03/2025</a:t>
             </a:fld>
             <a:endParaRPr lang="es-MX" dirty="0"/>
           </a:p>
@@ -7568,7 +7592,7 @@
           <a:p>
             <a:fld id="{B3F3E716-CACC-4490-AD07-F24B6A68DE47}" type="datetimeFigureOut">
               <a:rPr lang="es-MX" smtClean="0"/>
-              <a:t>28/08/2024</a:t>
+              <a:t>05/03/2025</a:t>
             </a:fld>
             <a:endParaRPr lang="es-MX" dirty="0"/>
           </a:p>
@@ -8245,17 +8269,6 @@
             <a:r>
               <a:rPr lang="es-ES" sz="2000" b="1" dirty="0">
                 <a:solidFill>
-                  <a:schemeClr val="tx1">
-                    <a:lumMod val="95000"/>
-                    <a:lumOff val="5000"/>
-                  </a:schemeClr>
-                </a:solidFill>
-              </a:rPr>
-              <a:t>* </a:t>
-            </a:r>
-            <a:r>
-              <a:rPr lang="es-ES" sz="2000" b="1" dirty="0">
-                <a:solidFill>
                   <a:srgbClr val="FF0000"/>
                 </a:solidFill>
               </a:rPr>
@@ -9379,7 +9392,7 @@
         <p:spPr>
           <a:xfrm>
             <a:off x="611559" y="1480402"/>
-            <a:ext cx="7920880" cy="506292"/>
+            <a:ext cx="7704857" cy="506292"/>
           </a:xfrm>
           <a:prstGeom prst="rect">
             <a:avLst/>
@@ -9392,7 +9405,7 @@
           </a:bodyPr>
           <a:lstStyle/>
           <a:p>
-            <a:pPr algn="just">
+            <a:pPr algn="ctr">
               <a:lnSpc>
                 <a:spcPct val="150000"/>
               </a:lnSpc>
@@ -10978,7 +10991,7 @@
         <p:spPr>
           <a:xfrm>
             <a:off x="683568" y="1537713"/>
-            <a:ext cx="7920880" cy="506292"/>
+            <a:ext cx="7920880" cy="1429622"/>
           </a:xfrm>
           <a:prstGeom prst="rect">
             <a:avLst/>
@@ -11019,7 +11032,7 @@
                   </a:schemeClr>
                 </a:solidFill>
               </a:rPr>
-              <a:t>que una línea empiece con la </a:t>
+              <a:t>que una línea termine con </a:t>
             </a:r>
             <a:r>
               <a:rPr lang="es-ES" sz="2000" i="0" dirty="0">
@@ -11031,15 +11044,102 @@
                 </a:solidFill>
                 <a:effectLst/>
               </a:rPr>
-              <a:t>palabra “Hola”</a:t>
-            </a:r>
-            <a:endParaRPr lang="es-ES" sz="2000" b="1" dirty="0">
+              <a:t>“Mundo”</a:t>
+            </a:r>
+          </a:p>
+          <a:p>
+            <a:pPr marL="342900" indent="-342900" algn="just">
+              <a:lnSpc>
+                <a:spcPct val="150000"/>
+              </a:lnSpc>
+              <a:buFont typeface="Arial" panose="020B0604020202020204" pitchFamily="34" charset="0"/>
+              <a:buChar char="•"/>
+            </a:pPr>
+            <a:r>
+              <a:rPr lang="es-ES" sz="2000" dirty="0">
+                <a:solidFill>
+                  <a:schemeClr val="tx1">
+                    <a:lumMod val="95000"/>
+                    <a:lumOff val="5000"/>
+                  </a:schemeClr>
+                </a:solidFill>
+              </a:rPr>
+              <a:t>Agregar </a:t>
+            </a:r>
+            <a:r>
+              <a:rPr lang="es-ES" sz="2000" dirty="0" err="1">
+                <a:solidFill>
+                  <a:schemeClr val="tx1">
+                    <a:lumMod val="95000"/>
+                    <a:lumOff val="5000"/>
+                  </a:schemeClr>
+                </a:solidFill>
+              </a:rPr>
+              <a:t>flag</a:t>
+            </a:r>
+            <a:r>
+              <a:rPr lang="es-ES" sz="2000" dirty="0">
+                <a:solidFill>
+                  <a:schemeClr val="tx1">
+                    <a:lumMod val="95000"/>
+                    <a:lumOff val="5000"/>
+                  </a:schemeClr>
+                </a:solidFill>
+              </a:rPr>
+              <a:t> </a:t>
+            </a:r>
+            <a:r>
+              <a:rPr lang="es-ES" sz="2000" b="1" dirty="0">
+                <a:solidFill>
+                  <a:schemeClr val="tx1">
+                    <a:lumMod val="95000"/>
+                    <a:lumOff val="5000"/>
+                  </a:schemeClr>
+                </a:solidFill>
+              </a:rPr>
+              <a:t>m</a:t>
+            </a:r>
+            <a:r>
+              <a:rPr lang="es-ES" sz="2000" dirty="0">
+                <a:solidFill>
+                  <a:schemeClr val="tx1">
+                    <a:lumMod val="95000"/>
+                    <a:lumOff val="5000"/>
+                  </a:schemeClr>
+                </a:solidFill>
+              </a:rPr>
+              <a:t> para tomar </a:t>
+            </a:r>
+            <a:r>
+              <a:rPr lang="es-ES" sz="2000" b="1" dirty="0">
+                <a:solidFill>
+                  <a:schemeClr val="tx1">
+                    <a:lumMod val="95000"/>
+                    <a:lumOff val="5000"/>
+                  </a:schemeClr>
+                </a:solidFill>
+              </a:rPr>
+              <a:t>texto multilínea</a:t>
+            </a:r>
+            <a:r>
+              <a:rPr lang="es-ES" sz="2000" dirty="0">
+                <a:solidFill>
+                  <a:schemeClr val="tx1">
+                    <a:lumMod val="95000"/>
+                    <a:lumOff val="5000"/>
+                  </a:schemeClr>
+                </a:solidFill>
+              </a:rPr>
+              <a:t>. Que lea cada línea por separado.</a:t>
+            </a:r>
+            <a:endParaRPr lang="es-ES" sz="2000" i="0" dirty="0">
               <a:solidFill>
                 <a:schemeClr val="tx1">
                   <a:lumMod val="95000"/>
                   <a:lumOff val="5000"/>
                 </a:schemeClr>
               </a:solidFill>
+              <a:effectLst/>
             </a:endParaRPr>
           </a:p>
         </p:txBody>
@@ -11090,17 +11190,17 @@
                 <a:effectLst/>
                 <a:latin typeface="inherit"/>
               </a:rPr>
-              <a:t>( ^ ) Inicio de una cadena de caracteres</a:t>
+              <a:t>( $ ) Fin de cadena de caracteres</a:t>
             </a:r>
           </a:p>
         </p:txBody>
       </p:sp>
       <p:pic>
         <p:nvPicPr>
-          <p:cNvPr id="3" name="Imagen 2">
+          <p:cNvPr id="8" name="Imagen 7">
             <a:extLst>
               <a:ext uri="{FF2B5EF4-FFF2-40B4-BE49-F238E27FC236}">
-                <a16:creationId xmlns:a16="http://schemas.microsoft.com/office/drawing/2014/main" id="{E871119C-7F00-4F18-B5A8-B63D8C979EE9}"/>
+                <a16:creationId xmlns:a16="http://schemas.microsoft.com/office/drawing/2014/main" id="{58F906D6-ACE3-4DD9-BB99-D80454EBFEEA}"/>
               </a:ext>
             </a:extLst>
           </p:cNvPr>
@@ -11117,8 +11217,8 @@
         </p:blipFill>
         <p:spPr>
           <a:xfrm>
-            <a:off x="966787" y="2294047"/>
-            <a:ext cx="7210425" cy="3676650"/>
+            <a:off x="1047750" y="3212976"/>
+            <a:ext cx="7048500" cy="2847975"/>
           </a:xfrm>
           <a:prstGeom prst="rect">
             <a:avLst/>
@@ -11128,7 +11228,7 @@
     </p:spTree>
     <p:extLst>
       <p:ext uri="{BB962C8B-B14F-4D97-AF65-F5344CB8AC3E}">
-        <p14:creationId xmlns:p14="http://schemas.microsoft.com/office/powerpoint/2010/main" val="946192398"/>
+        <p14:creationId xmlns:p14="http://schemas.microsoft.com/office/powerpoint/2010/main" val="2849105023"/>
       </p:ext>
     </p:extLst>
   </p:cSld>
@@ -11280,7 +11380,7 @@
                 </a:solidFill>
                 <a:effectLst/>
               </a:rPr>
-              <a:t>“Mundo.”</a:t>
+              <a:t>“Mundo”</a:t>
             </a:r>
             <a:endParaRPr lang="es-ES" sz="2000" b="1" dirty="0">
               <a:solidFill>
@@ -11366,7 +11466,7 @@
         </p:blipFill>
         <p:spPr>
           <a:xfrm>
-            <a:off x="916415" y="2564904"/>
+            <a:off x="959259" y="2434662"/>
             <a:ext cx="6800850" cy="3067050"/>
           </a:xfrm>
           <a:prstGeom prst="rect">
@@ -11475,8 +11575,8 @@
         </p:nvSpPr>
         <p:spPr>
           <a:xfrm>
-            <a:off x="683568" y="1537713"/>
-            <a:ext cx="7920880" cy="1429622"/>
+            <a:off x="611560" y="1529708"/>
+            <a:ext cx="7920880" cy="506292"/>
           </a:xfrm>
           <a:prstGeom prst="rect">
             <a:avLst/>
@@ -11517,7 +11617,7 @@
                   </a:schemeClr>
                 </a:solidFill>
               </a:rPr>
-              <a:t>que una línea termine con </a:t>
+              <a:t>que una línea empiece con la </a:t>
             </a:r>
             <a:r>
               <a:rPr lang="es-ES" sz="2000" i="0" dirty="0">
@@ -11529,72 +11629,16 @@
                 </a:solidFill>
                 <a:effectLst/>
               </a:rPr>
-              <a:t>“Mundo.” </a:t>
-            </a:r>
-          </a:p>
-          <a:p>
-            <a:pPr marL="342900" indent="-342900" algn="just">
-              <a:lnSpc>
-                <a:spcPct val="150000"/>
-              </a:lnSpc>
-              <a:buFont typeface="Arial" panose="020B0604020202020204" pitchFamily="34" charset="0"/>
-              <a:buChar char="•"/>
-            </a:pPr>
-            <a:r>
-              <a:rPr lang="es-ES" sz="2000" dirty="0">
-                <a:solidFill>
-                  <a:schemeClr val="tx1">
-                    <a:lumMod val="95000"/>
-                    <a:lumOff val="5000"/>
-                  </a:schemeClr>
-                </a:solidFill>
-              </a:rPr>
-              <a:t>Agregar </a:t>
-            </a:r>
-            <a:r>
-              <a:rPr lang="es-ES" sz="2000" dirty="0" err="1">
-                <a:solidFill>
-                  <a:schemeClr val="tx1">
-                    <a:lumMod val="95000"/>
-                    <a:lumOff val="5000"/>
-                  </a:schemeClr>
-                </a:solidFill>
-              </a:rPr>
-              <a:t>flag</a:t>
-            </a:r>
-            <a:r>
-              <a:rPr lang="es-ES" sz="2000" dirty="0">
-                <a:solidFill>
-                  <a:schemeClr val="tx1">
-                    <a:lumMod val="95000"/>
-                    <a:lumOff val="5000"/>
-                  </a:schemeClr>
-                </a:solidFill>
-              </a:rPr>
-              <a:t> </a:t>
-            </a:r>
-            <a:r>
-              <a:rPr lang="es-ES" sz="2000" b="1" dirty="0">
-                <a:solidFill>
-                  <a:schemeClr val="tx1">
-                    <a:lumMod val="95000"/>
-                    <a:lumOff val="5000"/>
-                  </a:schemeClr>
-                </a:solidFill>
-              </a:rPr>
-              <a:t>m</a:t>
-            </a:r>
-            <a:r>
-              <a:rPr lang="es-ES" sz="2000" dirty="0">
-                <a:solidFill>
-                  <a:schemeClr val="tx1">
-                    <a:lumMod val="95000"/>
-                    <a:lumOff val="5000"/>
-                  </a:schemeClr>
-                </a:solidFill>
-              </a:rPr>
-              <a:t> para tomar texto multilínea. Que lea cada línea por separado.</a:t>
-            </a:r>
+              <a:t>palabra “Hola”</a:t>
+            </a:r>
+            <a:endParaRPr lang="es-ES" sz="2000" b="1" dirty="0">
+              <a:solidFill>
+                <a:schemeClr val="tx1">
+                  <a:lumMod val="95000"/>
+                  <a:lumOff val="5000"/>
+                </a:schemeClr>
+              </a:solidFill>
+            </a:endParaRPr>
           </a:p>
         </p:txBody>
       </p:sp>
@@ -11644,17 +11688,17 @@
                 <a:effectLst/>
                 <a:latin typeface="inherit"/>
               </a:rPr>
-              <a:t>( $ ) Fin de cadena de caracteres</a:t>
+              <a:t>( ^ ) Inicio de una cadena de caracteres</a:t>
             </a:r>
           </a:p>
         </p:txBody>
       </p:sp>
       <p:pic>
         <p:nvPicPr>
-          <p:cNvPr id="8" name="Imagen 7">
+          <p:cNvPr id="3" name="Imagen 2">
             <a:extLst>
               <a:ext uri="{FF2B5EF4-FFF2-40B4-BE49-F238E27FC236}">
-                <a16:creationId xmlns:a16="http://schemas.microsoft.com/office/drawing/2014/main" id="{58F906D6-ACE3-4DD9-BB99-D80454EBFEEA}"/>
+                <a16:creationId xmlns:a16="http://schemas.microsoft.com/office/drawing/2014/main" id="{E871119C-7F00-4F18-B5A8-B63D8C979EE9}"/>
               </a:ext>
             </a:extLst>
           </p:cNvPr>
@@ -11671,8 +11715,8 @@
         </p:blipFill>
         <p:spPr>
           <a:xfrm>
-            <a:off x="1119758" y="3340909"/>
-            <a:ext cx="7048500" cy="2847975"/>
+            <a:off x="866143" y="2314290"/>
+            <a:ext cx="7210425" cy="3676650"/>
           </a:xfrm>
           <a:prstGeom prst="rect">
             <a:avLst/>
@@ -11682,7 +11726,7 @@
     </p:spTree>
     <p:extLst>
       <p:ext uri="{BB962C8B-B14F-4D97-AF65-F5344CB8AC3E}">
-        <p14:creationId xmlns:p14="http://schemas.microsoft.com/office/powerpoint/2010/main" val="2849105023"/>
+        <p14:creationId xmlns:p14="http://schemas.microsoft.com/office/powerpoint/2010/main" val="946192398"/>
       </p:ext>
     </p:extLst>
   </p:cSld>
@@ -11767,7 +11811,7 @@
         </p:nvSpPr>
         <p:spPr>
           <a:xfrm>
-            <a:off x="640723" y="1052736"/>
+            <a:off x="603942" y="1052736"/>
             <a:ext cx="7920880" cy="506292"/>
           </a:xfrm>
           <a:prstGeom prst="rect">
@@ -11875,7 +11919,7 @@
                 </a:solidFill>
                 <a:effectLst/>
               </a:rPr>
-              <a:t>Primero tres dígitos juntos, luego espacio o guion, otros  tres dígitos, espacio o guion, luego dos y dos.  El punto involucra cualquier carácter excepto salto de línea. \d\d\d.\d\d\d.\d\d.\d\d</a:t>
+              <a:t>Primero tres dígitos juntos, luego espacio o guion, otros  tres dígitos, espacio o guion, luego dos y dos.  El punto involucra cualquier carácter excepto salto de línea. </a:t>
             </a:r>
             <a:endParaRPr lang="es-ES" sz="2000" b="1" dirty="0">
               <a:solidFill>
@@ -16145,7 +16189,7 @@
                 </a:solidFill>
                 <a:effectLst/>
               </a:rPr>
-              <a:t>El texto a mani</a:t>
+              <a:t>El texto a manipular</a:t>
             </a:r>
             <a:r>
               <a:rPr lang="es-ES" sz="2000" b="1" dirty="0">
@@ -16156,7 +16200,7 @@
                   </a:schemeClr>
                 </a:solidFill>
               </a:rPr>
-              <a:t>pular.</a:t>
+              <a:t>.</a:t>
             </a:r>
           </a:p>
         </p:txBody>
@@ -18030,7 +18074,13 @@
   <p:cSld>
     <p:spTree>
       <p:nvGrpSpPr>
-        <p:cNvPr id="1" name=""/>
+        <p:cNvPr id="1" name="">
+          <a:extLst>
+            <a:ext uri="{FF2B5EF4-FFF2-40B4-BE49-F238E27FC236}">
+              <a16:creationId xmlns:a16="http://schemas.microsoft.com/office/drawing/2014/main" id="{0584EF7D-CE70-9F12-DB17-DA0DD4E4EA9D}"/>
+            </a:ext>
+          </a:extLst>
+        </p:cNvPr>
         <p:cNvGrpSpPr/>
         <p:nvPr/>
       </p:nvGrpSpPr>
@@ -18044,7 +18094,13 @@
       </p:grpSpPr>
       <p:sp>
         <p:nvSpPr>
-          <p:cNvPr id="184324" name="Rectangle 4"/>
+          <p:cNvPr id="184324" name="Rectangle 4">
+            <a:extLst>
+              <a:ext uri="{FF2B5EF4-FFF2-40B4-BE49-F238E27FC236}">
+                <a16:creationId xmlns:a16="http://schemas.microsoft.com/office/drawing/2014/main" id="{C42EA85E-C48A-5514-808A-0406F775A2A8}"/>
+              </a:ext>
+            </a:extLst>
+          </p:cNvPr>
           <p:cNvSpPr>
             <a:spLocks noGrp="1" noChangeArrowheads="1"/>
           </p:cNvSpPr>
@@ -18054,7 +18110,7 @@
         </p:nvSpPr>
         <p:spPr>
           <a:xfrm>
-            <a:off x="388809" y="34415"/>
+            <a:off x="289721" y="4056"/>
             <a:ext cx="8363272" cy="1143000"/>
           </a:xfrm>
         </p:spPr>
@@ -18088,10 +18144,10 @@
       </p:sp>
       <p:sp>
         <p:nvSpPr>
-          <p:cNvPr id="7" name="CuadroTexto 6">
+          <p:cNvPr id="5" name="CuadroTexto 4">
             <a:extLst>
               <a:ext uri="{FF2B5EF4-FFF2-40B4-BE49-F238E27FC236}">
-                <a16:creationId xmlns:a16="http://schemas.microsoft.com/office/drawing/2014/main" id="{4E1DD8D9-5B93-44E0-8677-C81B21CCD7A2}"/>
+                <a16:creationId xmlns:a16="http://schemas.microsoft.com/office/drawing/2014/main" id="{3A604F61-CD8F-5A49-7485-14EB3FA2437C}"/>
               </a:ext>
             </a:extLst>
           </p:cNvPr>
@@ -18100,8 +18156,8 @@
         </p:nvSpPr>
         <p:spPr>
           <a:xfrm>
-            <a:off x="2051720" y="930724"/>
-            <a:ext cx="8363271" cy="506292"/>
+            <a:off x="640723" y="1052736"/>
+            <a:ext cx="7920880" cy="967957"/>
           </a:xfrm>
           <a:prstGeom prst="rect">
             <a:avLst/>
@@ -18120,38 +18176,69 @@
               </a:lnSpc>
             </a:pPr>
             <a:r>
-              <a:rPr lang="es-MX" sz="2000" b="1" dirty="0">
-                <a:solidFill>
-                  <a:schemeClr val="accent6">
-                    <a:lumMod val="75000"/>
-                  </a:schemeClr>
-                </a:solidFill>
-              </a:rPr>
-              <a:t>()</a:t>
-            </a:r>
-            <a:r>
-              <a:rPr lang="es-MX" sz="2000" dirty="0"/>
-              <a:t> </a:t>
-            </a:r>
-            <a:r>
-              <a:rPr lang="es-MX" sz="2000" dirty="0">
-                <a:solidFill>
-                  <a:schemeClr val="accent6">
-                    <a:lumMod val="75000"/>
-                  </a:schemeClr>
-                </a:solidFill>
-              </a:rPr>
-              <a:t>Nos permiten comparar entre algunos valores</a:t>
-            </a:r>
-          </a:p>
-        </p:txBody>
-      </p:sp>
-      <p:sp>
-        <p:nvSpPr>
-          <p:cNvPr id="5" name="CuadroTexto 4">
+              <a:rPr lang="es-ES" sz="2000" b="1" i="0" dirty="0">
+                <a:solidFill>
+                  <a:schemeClr val="tx1">
+                    <a:lumMod val="95000"/>
+                    <a:lumOff val="5000"/>
+                  </a:schemeClr>
+                </a:solidFill>
+                <a:effectLst/>
+              </a:rPr>
+              <a:t>Ejemplo 3: </a:t>
+            </a:r>
+            <a:r>
+              <a:rPr lang="es-ES" sz="2000" i="0" dirty="0">
+                <a:solidFill>
+                  <a:schemeClr val="tx1">
+                    <a:lumMod val="95000"/>
+                    <a:lumOff val="5000"/>
+                  </a:schemeClr>
+                </a:solidFill>
+                <a:effectLst/>
+              </a:rPr>
+              <a:t>Extraer todos los números telefónicos </a:t>
+            </a:r>
+            <a:r>
+              <a:rPr lang="es-ES" sz="2000" dirty="0">
+                <a:solidFill>
+                  <a:schemeClr val="tx1">
+                    <a:lumMod val="95000"/>
+                    <a:lumOff val="5000"/>
+                  </a:schemeClr>
+                </a:solidFill>
+              </a:rPr>
+              <a:t>haciendo uso de </a:t>
+            </a:r>
+            <a:r>
+              <a:rPr lang="es-ES" sz="2000" i="0" dirty="0">
+                <a:solidFill>
+                  <a:schemeClr val="tx1">
+                    <a:lumMod val="95000"/>
+                    <a:lumOff val="5000"/>
+                  </a:schemeClr>
+                </a:solidFill>
+                <a:effectLst/>
+              </a:rPr>
+              <a:t>grupos con corchetes y cuantificadores. </a:t>
+            </a:r>
+            <a:endParaRPr lang="es-ES" sz="2000" b="1" dirty="0">
+              <a:solidFill>
+                <a:schemeClr val="tx1">
+                  <a:lumMod val="95000"/>
+                  <a:lumOff val="5000"/>
+                </a:schemeClr>
+              </a:solidFill>
+            </a:endParaRPr>
+          </a:p>
+        </p:txBody>
+      </p:sp>
+      <p:sp>
+        <p:nvSpPr>
+          <p:cNvPr id="6" name="CuadroTexto 5">
             <a:extLst>
               <a:ext uri="{FF2B5EF4-FFF2-40B4-BE49-F238E27FC236}">
-                <a16:creationId xmlns:a16="http://schemas.microsoft.com/office/drawing/2014/main" id="{CD51C6FC-C7B4-4F3A-BEE8-8127DCEAF665}"/>
+                <a16:creationId xmlns:a16="http://schemas.microsoft.com/office/drawing/2014/main" id="{6702EAEE-BBD0-8C5E-0A10-A1D1FF543E4C}"/>
               </a:ext>
             </a:extLst>
           </p:cNvPr>
@@ -18160,8 +18247,8 @@
         </p:nvSpPr>
         <p:spPr>
           <a:xfrm>
-            <a:off x="388809" y="1582957"/>
-            <a:ext cx="8363271" cy="967957"/>
+            <a:off x="640291" y="2611441"/>
+            <a:ext cx="2995174" cy="2352952"/>
           </a:xfrm>
           <a:prstGeom prst="rect">
             <a:avLst/>
@@ -18180,22 +18267,34 @@
               </a:lnSpc>
             </a:pPr>
             <a:r>
-              <a:rPr lang="es-MX" sz="2000" b="1" dirty="0"/>
-              <a:t>Ejemplo 4: </a:t>
-            </a:r>
-            <a:r>
-              <a:rPr lang="es-MX" sz="2000" dirty="0"/>
-              <a:t>Encuentre los número de teléfono con ladas 442, 443 y 448 solamente.</a:t>
-            </a:r>
+              <a:rPr lang="es-ES" sz="2000" i="0" dirty="0">
+                <a:solidFill>
+                  <a:schemeClr val="tx1">
+                    <a:lumMod val="95000"/>
+                    <a:lumOff val="5000"/>
+                  </a:schemeClr>
+                </a:solidFill>
+                <a:effectLst/>
+              </a:rPr>
+              <a:t>Tres dígitos, luego un espacio o guion, otros  tres dígitos, espacio o guion, luego dos dígitos, espacio o guion y dos dígitos.</a:t>
+            </a:r>
+            <a:endParaRPr lang="es-ES" sz="2000" b="1" dirty="0">
+              <a:solidFill>
+                <a:schemeClr val="tx1">
+                  <a:lumMod val="95000"/>
+                  <a:lumOff val="5000"/>
+                </a:schemeClr>
+              </a:solidFill>
+            </a:endParaRPr>
           </a:p>
         </p:txBody>
       </p:sp>
       <p:pic>
         <p:nvPicPr>
-          <p:cNvPr id="4" name="Imagen 3">
+          <p:cNvPr id="4" name="Picture 3">
             <a:extLst>
               <a:ext uri="{FF2B5EF4-FFF2-40B4-BE49-F238E27FC236}">
-                <a16:creationId xmlns:a16="http://schemas.microsoft.com/office/drawing/2014/main" id="{4A0F5007-3343-4069-AEEE-C64F855CC1DB}"/>
+                <a16:creationId xmlns:a16="http://schemas.microsoft.com/office/drawing/2014/main" id="{49DC2B97-16C8-1C98-0153-0AA49C426D1A}"/>
               </a:ext>
             </a:extLst>
           </p:cNvPr>
@@ -18212,92 +18311,8 @@
         </p:blipFill>
         <p:spPr>
           <a:xfrm>
-            <a:off x="375368" y="3217137"/>
-            <a:ext cx="4374990" cy="2849167"/>
-          </a:xfrm>
-          <a:prstGeom prst="rect">
-            <a:avLst/>
-          </a:prstGeom>
-        </p:spPr>
-      </p:pic>
-      <p:sp>
-        <p:nvSpPr>
-          <p:cNvPr id="13" name="CuadroTexto 12">
-            <a:extLst>
-              <a:ext uri="{FF2B5EF4-FFF2-40B4-BE49-F238E27FC236}">
-                <a16:creationId xmlns:a16="http://schemas.microsoft.com/office/drawing/2014/main" id="{D8614476-5746-4910-AE97-837BDC1DE82C}"/>
-              </a:ext>
-            </a:extLst>
-          </p:cNvPr>
-          <p:cNvSpPr txBox="1"/>
-          <p:nvPr/>
-        </p:nvSpPr>
-        <p:spPr>
-          <a:xfrm>
-            <a:off x="353799" y="2564904"/>
-            <a:ext cx="3562351" cy="506292"/>
-          </a:xfrm>
-          <a:prstGeom prst="rect">
-            <a:avLst/>
-          </a:prstGeom>
-          <a:noFill/>
-        </p:spPr>
-        <p:txBody>
-          <a:bodyPr wrap="square">
-            <a:spAutoFit/>
-          </a:bodyPr>
-          <a:lstStyle/>
-          <a:p>
-            <a:pPr algn="just">
-              <a:lnSpc>
-                <a:spcPct val="150000"/>
-              </a:lnSpc>
-            </a:pPr>
-            <a:r>
-              <a:rPr lang="es-MX" sz="2000" dirty="0"/>
-              <a:t>Conjunto de caracteres </a:t>
-            </a:r>
-            <a:r>
-              <a:rPr lang="es-MX" sz="2000" b="1" dirty="0">
-                <a:solidFill>
-                  <a:schemeClr val="accent6">
-                    <a:lumMod val="75000"/>
-                  </a:schemeClr>
-                </a:solidFill>
-              </a:rPr>
-              <a:t>2, 3 u 8</a:t>
-            </a:r>
-            <a:r>
-              <a:rPr lang="es-MX" sz="2000" dirty="0"/>
-              <a:t>.</a:t>
-            </a:r>
-          </a:p>
-        </p:txBody>
-      </p:sp>
-      <p:pic>
-        <p:nvPicPr>
-          <p:cNvPr id="8" name="Picture 7">
-            <a:extLst>
-              <a:ext uri="{FF2B5EF4-FFF2-40B4-BE49-F238E27FC236}">
-                <a16:creationId xmlns:a16="http://schemas.microsoft.com/office/drawing/2014/main" id="{1C8D1C6E-EE42-B43B-9084-CF731AF947A1}"/>
-              </a:ext>
-            </a:extLst>
-          </p:cNvPr>
-          <p:cNvPicPr>
-            <a:picLocks noChangeAspect="1"/>
-          </p:cNvPicPr>
-          <p:nvPr/>
-        </p:nvPicPr>
-        <p:blipFill>
-          <a:blip r:embed="rId4"/>
-          <a:stretch>
-            <a:fillRect/>
-          </a:stretch>
-        </p:blipFill>
-        <p:spPr>
-          <a:xfrm>
-            <a:off x="4996269" y="3218069"/>
-            <a:ext cx="3824203" cy="3014251"/>
+            <a:off x="3995936" y="2492896"/>
+            <a:ext cx="4229690" cy="3448531"/>
           </a:xfrm>
           <a:prstGeom prst="rect">
             <a:avLst/>
@@ -18307,7 +18322,7 @@
     </p:spTree>
     <p:extLst>
       <p:ext uri="{BB962C8B-B14F-4D97-AF65-F5344CB8AC3E}">
-        <p14:creationId xmlns:p14="http://schemas.microsoft.com/office/powerpoint/2010/main" val="3789720049"/>
+        <p14:creationId xmlns:p14="http://schemas.microsoft.com/office/powerpoint/2010/main" val="1078318760"/>
       </p:ext>
     </p:extLst>
   </p:cSld>
@@ -18346,7 +18361,7 @@
         </p:nvSpPr>
         <p:spPr>
           <a:xfrm>
-            <a:off x="289721" y="4056"/>
+            <a:off x="388809" y="34415"/>
             <a:ext cx="8363272" cy="1143000"/>
           </a:xfrm>
         </p:spPr>
@@ -18373,17 +18388,17 @@
                 </a:effectLst>
                 <a:latin typeface="Dom Casual" charset="0"/>
               </a:rPr>
-              <a:t>Expresión regular</a:t>
-            </a:r>
-          </a:p>
-        </p:txBody>
-      </p:sp>
-      <p:sp>
-        <p:nvSpPr>
-          <p:cNvPr id="5" name="CuadroTexto 4">
+              <a:t>Grupos</a:t>
+            </a:r>
+          </a:p>
+        </p:txBody>
+      </p:sp>
+      <p:sp>
+        <p:nvSpPr>
+          <p:cNvPr id="7" name="CuadroTexto 6">
             <a:extLst>
               <a:ext uri="{FF2B5EF4-FFF2-40B4-BE49-F238E27FC236}">
-                <a16:creationId xmlns:a16="http://schemas.microsoft.com/office/drawing/2014/main" id="{FC189524-E564-48DD-B173-E7D162EDC50C}"/>
+                <a16:creationId xmlns:a16="http://schemas.microsoft.com/office/drawing/2014/main" id="{4E1DD8D9-5B93-44E0-8677-C81B21CCD7A2}"/>
               </a:ext>
             </a:extLst>
           </p:cNvPr>
@@ -18392,8 +18407,8 @@
         </p:nvSpPr>
         <p:spPr>
           <a:xfrm>
-            <a:off x="289721" y="1072086"/>
-            <a:ext cx="7920880" cy="506292"/>
+            <a:off x="2051720" y="930724"/>
+            <a:ext cx="8363271" cy="506292"/>
           </a:xfrm>
           <a:prstGeom prst="rect">
             <a:avLst/>
@@ -18412,46 +18427,82 @@
               </a:lnSpc>
             </a:pPr>
             <a:r>
-              <a:rPr lang="es-ES" sz="2000" b="1" i="0" dirty="0">
-                <a:solidFill>
-                  <a:schemeClr val="tx1">
-                    <a:lumMod val="95000"/>
-                    <a:lumOff val="5000"/>
-                  </a:schemeClr>
-                </a:solidFill>
-                <a:effectLst/>
-              </a:rPr>
-              <a:t>Ejercicio 5: </a:t>
-            </a:r>
-            <a:r>
-              <a:rPr lang="es-ES" sz="2000" i="0" dirty="0">
-                <a:solidFill>
-                  <a:schemeClr val="tx1">
-                    <a:lumMod val="95000"/>
-                    <a:lumOff val="5000"/>
-                  </a:schemeClr>
-                </a:solidFill>
-                <a:effectLst/>
-              </a:rPr>
-              <a:t>Seleccionar correo electrónico.</a:t>
-            </a:r>
-            <a:endParaRPr lang="es-ES" sz="2000" dirty="0">
-              <a:solidFill>
-                <a:schemeClr val="tx1">
-                  <a:lumMod val="95000"/>
-                  <a:lumOff val="5000"/>
-                </a:schemeClr>
-              </a:solidFill>
-            </a:endParaRPr>
+              <a:rPr lang="es-MX" sz="2000" b="1" dirty="0">
+                <a:solidFill>
+                  <a:schemeClr val="accent6">
+                    <a:lumMod val="75000"/>
+                  </a:schemeClr>
+                </a:solidFill>
+              </a:rPr>
+              <a:t>()</a:t>
+            </a:r>
+            <a:r>
+              <a:rPr lang="es-MX" sz="2000" dirty="0"/>
+              <a:t> </a:t>
+            </a:r>
+            <a:r>
+              <a:rPr lang="es-MX" sz="2000" dirty="0">
+                <a:solidFill>
+                  <a:schemeClr val="accent6">
+                    <a:lumMod val="75000"/>
+                  </a:schemeClr>
+                </a:solidFill>
+              </a:rPr>
+              <a:t>Nos permiten comparar entre algunos valores</a:t>
+            </a:r>
+          </a:p>
+        </p:txBody>
+      </p:sp>
+      <p:sp>
+        <p:nvSpPr>
+          <p:cNvPr id="5" name="CuadroTexto 4">
+            <a:extLst>
+              <a:ext uri="{FF2B5EF4-FFF2-40B4-BE49-F238E27FC236}">
+                <a16:creationId xmlns:a16="http://schemas.microsoft.com/office/drawing/2014/main" id="{CD51C6FC-C7B4-4F3A-BEE8-8127DCEAF665}"/>
+              </a:ext>
+            </a:extLst>
+          </p:cNvPr>
+          <p:cNvSpPr txBox="1"/>
+          <p:nvPr/>
+        </p:nvSpPr>
+        <p:spPr>
+          <a:xfrm>
+            <a:off x="388809" y="1582957"/>
+            <a:ext cx="8363271" cy="967957"/>
+          </a:xfrm>
+          <a:prstGeom prst="rect">
+            <a:avLst/>
+          </a:prstGeom>
+          <a:noFill/>
+        </p:spPr>
+        <p:txBody>
+          <a:bodyPr wrap="square">
+            <a:spAutoFit/>
+          </a:bodyPr>
+          <a:lstStyle/>
+          <a:p>
+            <a:pPr algn="just">
+              <a:lnSpc>
+                <a:spcPct val="150000"/>
+              </a:lnSpc>
+            </a:pPr>
+            <a:r>
+              <a:rPr lang="es-MX" sz="2000" b="1" dirty="0"/>
+              <a:t>Ejemplo 4: </a:t>
+            </a:r>
+            <a:r>
+              <a:rPr lang="es-MX" sz="2000" dirty="0"/>
+              <a:t>Encuentre los número de teléfono con ladas 442, 443 y 448 solamente.</a:t>
+            </a:r>
           </a:p>
         </p:txBody>
       </p:sp>
       <p:pic>
         <p:nvPicPr>
-          <p:cNvPr id="8" name="Imagen 7">
+          <p:cNvPr id="4" name="Imagen 3">
             <a:extLst>
               <a:ext uri="{FF2B5EF4-FFF2-40B4-BE49-F238E27FC236}">
-                <a16:creationId xmlns:a16="http://schemas.microsoft.com/office/drawing/2014/main" id="{9E8BDEDE-78F6-48B6-B26B-4636CFFD6F1D}"/>
+                <a16:creationId xmlns:a16="http://schemas.microsoft.com/office/drawing/2014/main" id="{4A0F5007-3343-4069-AEEE-C64F855CC1DB}"/>
               </a:ext>
             </a:extLst>
           </p:cNvPr>
@@ -18468,20 +18519,74 @@
         </p:blipFill>
         <p:spPr>
           <a:xfrm>
-            <a:off x="309719" y="1841862"/>
-            <a:ext cx="4267200" cy="4162425"/>
+            <a:off x="375368" y="3217137"/>
+            <a:ext cx="4374990" cy="2849167"/>
           </a:xfrm>
           <a:prstGeom prst="rect">
             <a:avLst/>
           </a:prstGeom>
         </p:spPr>
       </p:pic>
+      <p:sp>
+        <p:nvSpPr>
+          <p:cNvPr id="13" name="CuadroTexto 12">
+            <a:extLst>
+              <a:ext uri="{FF2B5EF4-FFF2-40B4-BE49-F238E27FC236}">
+                <a16:creationId xmlns:a16="http://schemas.microsoft.com/office/drawing/2014/main" id="{D8614476-5746-4910-AE97-837BDC1DE82C}"/>
+              </a:ext>
+            </a:extLst>
+          </p:cNvPr>
+          <p:cNvSpPr txBox="1"/>
+          <p:nvPr/>
+        </p:nvSpPr>
+        <p:spPr>
+          <a:xfrm>
+            <a:off x="353799" y="2564904"/>
+            <a:ext cx="3562351" cy="506292"/>
+          </a:xfrm>
+          <a:prstGeom prst="rect">
+            <a:avLst/>
+          </a:prstGeom>
+          <a:noFill/>
+        </p:spPr>
+        <p:txBody>
+          <a:bodyPr wrap="square">
+            <a:spAutoFit/>
+          </a:bodyPr>
+          <a:lstStyle/>
+          <a:p>
+            <a:pPr algn="just">
+              <a:lnSpc>
+                <a:spcPct val="150000"/>
+              </a:lnSpc>
+            </a:pPr>
+            <a:r>
+              <a:rPr lang="es-MX" sz="2000" dirty="0"/>
+              <a:t>Conjunto de caracteres </a:t>
+            </a:r>
+            <a:r>
+              <a:rPr lang="es-MX" sz="2000" b="1" dirty="0">
+                <a:solidFill>
+                  <a:schemeClr val="accent6">
+                    <a:lumMod val="75000"/>
+                  </a:schemeClr>
+                </a:solidFill>
+              </a:rPr>
+              <a:t>2, 3 u 8</a:t>
+            </a:r>
+            <a:r>
+              <a:rPr lang="es-MX" sz="2000" dirty="0"/>
+              <a:t>.</a:t>
+            </a:r>
+          </a:p>
+        </p:txBody>
+      </p:sp>
       <p:pic>
         <p:nvPicPr>
-          <p:cNvPr id="10" name="Imagen 9">
+          <p:cNvPr id="8" name="Picture 7">
             <a:extLst>
               <a:ext uri="{FF2B5EF4-FFF2-40B4-BE49-F238E27FC236}">
-                <a16:creationId xmlns:a16="http://schemas.microsoft.com/office/drawing/2014/main" id="{78918B87-AE47-43DF-A868-48DA504D01DA}"/>
+                <a16:creationId xmlns:a16="http://schemas.microsoft.com/office/drawing/2014/main" id="{1C8D1C6E-EE42-B43B-9084-CF731AF947A1}"/>
               </a:ext>
             </a:extLst>
           </p:cNvPr>
@@ -18498,98 +18603,18 @@
         </p:blipFill>
         <p:spPr>
           <a:xfrm>
-            <a:off x="4716016" y="1827574"/>
-            <a:ext cx="4219575" cy="4191000"/>
+            <a:off x="4996269" y="3218069"/>
+            <a:ext cx="3824203" cy="3014251"/>
           </a:xfrm>
           <a:prstGeom prst="rect">
             <a:avLst/>
           </a:prstGeom>
         </p:spPr>
       </p:pic>
-      <p:sp>
-        <p:nvSpPr>
-          <p:cNvPr id="12" name="CuadroTexto 11">
-            <a:extLst>
-              <a:ext uri="{FF2B5EF4-FFF2-40B4-BE49-F238E27FC236}">
-                <a16:creationId xmlns:a16="http://schemas.microsoft.com/office/drawing/2014/main" id="{45236C5C-4492-4167-82B4-CF01EC88B68A}"/>
-              </a:ext>
-            </a:extLst>
-          </p:cNvPr>
-          <p:cNvSpPr txBox="1"/>
-          <p:nvPr/>
-        </p:nvSpPr>
-        <p:spPr>
-          <a:xfrm>
-            <a:off x="5292080" y="1052736"/>
-            <a:ext cx="3562199" cy="506292"/>
-          </a:xfrm>
-          <a:prstGeom prst="rect">
-            <a:avLst/>
-          </a:prstGeom>
-          <a:noFill/>
-        </p:spPr>
-        <p:txBody>
-          <a:bodyPr wrap="square">
-            <a:spAutoFit/>
-          </a:bodyPr>
-          <a:lstStyle/>
-          <a:p>
-            <a:pPr algn="just">
-              <a:lnSpc>
-                <a:spcPct val="150000"/>
-              </a:lnSpc>
-            </a:pPr>
-            <a:r>
-              <a:rPr lang="es-ES" sz="2000" b="1" dirty="0">
-                <a:solidFill>
-                  <a:schemeClr val="tx1">
-                    <a:lumMod val="95000"/>
-                    <a:lumOff val="5000"/>
-                  </a:schemeClr>
-                </a:solidFill>
-              </a:rPr>
-              <a:t>[a-</a:t>
-            </a:r>
-            <a:r>
-              <a:rPr lang="es-ES" sz="2000" b="1" dirty="0" err="1">
-                <a:solidFill>
-                  <a:schemeClr val="tx1">
-                    <a:lumMod val="95000"/>
-                    <a:lumOff val="5000"/>
-                  </a:schemeClr>
-                </a:solidFill>
-              </a:rPr>
-              <a:t>zA</a:t>
-            </a:r>
-            <a:r>
-              <a:rPr lang="es-ES" sz="2000" b="1" dirty="0">
-                <a:solidFill>
-                  <a:schemeClr val="tx1">
-                    <a:lumMod val="95000"/>
-                    <a:lumOff val="5000"/>
-                  </a:schemeClr>
-                </a:solidFill>
-              </a:rPr>
-              <a:t>-Z] </a:t>
-            </a:r>
-            <a:r>
-              <a:rPr lang="es-ES" sz="2000" dirty="0">
-                <a:solidFill>
-                  <a:schemeClr val="tx1">
-                    <a:lumMod val="95000"/>
-                    <a:lumOff val="5000"/>
-                  </a:schemeClr>
-                </a:solidFill>
-              </a:rPr>
-              <a:t>una o más letras.</a:t>
-            </a:r>
-          </a:p>
-        </p:txBody>
-      </p:sp>
     </p:spTree>
     <p:extLst>
       <p:ext uri="{BB962C8B-B14F-4D97-AF65-F5344CB8AC3E}">
-        <p14:creationId xmlns:p14="http://schemas.microsoft.com/office/powerpoint/2010/main" val="155978432"/>
+        <p14:creationId xmlns:p14="http://schemas.microsoft.com/office/powerpoint/2010/main" val="3789720049"/>
       </p:ext>
     </p:extLst>
   </p:cSld>
@@ -18926,7 +18951,7 @@
         </p:nvSpPr>
         <p:spPr>
           <a:xfrm>
-            <a:off x="289721" y="1147056"/>
+            <a:off x="289721" y="1072086"/>
             <a:ext cx="7920880" cy="506292"/>
           </a:xfrm>
           <a:prstGeom prst="rect">
@@ -18967,7 +18992,7 @@
                 </a:solidFill>
                 <a:effectLst/>
               </a:rPr>
-              <a:t>Seleccionar correo electrónico. </a:t>
+              <a:t>Seleccionar correo electrónico.</a:t>
             </a:r>
             <a:endParaRPr lang="es-ES" sz="2000" dirty="0">
               <a:solidFill>
@@ -18982,10 +19007,10 @@
       </p:sp>
       <p:pic>
         <p:nvPicPr>
-          <p:cNvPr id="4" name="Picture 3">
+          <p:cNvPr id="8" name="Imagen 7">
             <a:extLst>
               <a:ext uri="{FF2B5EF4-FFF2-40B4-BE49-F238E27FC236}">
-                <a16:creationId xmlns:a16="http://schemas.microsoft.com/office/drawing/2014/main" id="{A96E5DF4-656B-1B0A-FF2A-737F9C05E93F}"/>
+                <a16:creationId xmlns:a16="http://schemas.microsoft.com/office/drawing/2014/main" id="{9E8BDEDE-78F6-48B6-B26B-4636CFFD6F1D}"/>
               </a:ext>
             </a:extLst>
           </p:cNvPr>
@@ -19002,18 +19027,128 @@
         </p:blipFill>
         <p:spPr>
           <a:xfrm>
-            <a:off x="1691680" y="1772816"/>
-            <a:ext cx="5472608" cy="4717764"/>
+            <a:off x="309719" y="1841862"/>
+            <a:ext cx="4267200" cy="4162425"/>
           </a:xfrm>
           <a:prstGeom prst="rect">
             <a:avLst/>
           </a:prstGeom>
         </p:spPr>
       </p:pic>
+      <p:pic>
+        <p:nvPicPr>
+          <p:cNvPr id="10" name="Imagen 9">
+            <a:extLst>
+              <a:ext uri="{FF2B5EF4-FFF2-40B4-BE49-F238E27FC236}">
+                <a16:creationId xmlns:a16="http://schemas.microsoft.com/office/drawing/2014/main" id="{78918B87-AE47-43DF-A868-48DA504D01DA}"/>
+              </a:ext>
+            </a:extLst>
+          </p:cNvPr>
+          <p:cNvPicPr>
+            <a:picLocks noChangeAspect="1"/>
+          </p:cNvPicPr>
+          <p:nvPr/>
+        </p:nvPicPr>
+        <p:blipFill>
+          <a:blip r:embed="rId4"/>
+          <a:stretch>
+            <a:fillRect/>
+          </a:stretch>
+        </p:blipFill>
+        <p:spPr>
+          <a:xfrm>
+            <a:off x="4716016" y="1827574"/>
+            <a:ext cx="4219575" cy="4191000"/>
+          </a:xfrm>
+          <a:prstGeom prst="rect">
+            <a:avLst/>
+          </a:prstGeom>
+        </p:spPr>
+      </p:pic>
+      <p:sp>
+        <p:nvSpPr>
+          <p:cNvPr id="12" name="CuadroTexto 11">
+            <a:extLst>
+              <a:ext uri="{FF2B5EF4-FFF2-40B4-BE49-F238E27FC236}">
+                <a16:creationId xmlns:a16="http://schemas.microsoft.com/office/drawing/2014/main" id="{45236C5C-4492-4167-82B4-CF01EC88B68A}"/>
+              </a:ext>
+            </a:extLst>
+          </p:cNvPr>
+          <p:cNvSpPr txBox="1"/>
+          <p:nvPr/>
+        </p:nvSpPr>
+        <p:spPr>
+          <a:xfrm>
+            <a:off x="5292080" y="1052736"/>
+            <a:ext cx="3562199" cy="506292"/>
+          </a:xfrm>
+          <a:prstGeom prst="rect">
+            <a:avLst/>
+          </a:prstGeom>
+          <a:noFill/>
+        </p:spPr>
+        <p:txBody>
+          <a:bodyPr wrap="square">
+            <a:spAutoFit/>
+          </a:bodyPr>
+          <a:lstStyle/>
+          <a:p>
+            <a:pPr algn="just">
+              <a:lnSpc>
+                <a:spcPct val="150000"/>
+              </a:lnSpc>
+            </a:pPr>
+            <a:r>
+              <a:rPr lang="es-ES" sz="2000" b="1" dirty="0">
+                <a:solidFill>
+                  <a:schemeClr val="tx1">
+                    <a:lumMod val="95000"/>
+                    <a:lumOff val="5000"/>
+                  </a:schemeClr>
+                </a:solidFill>
+              </a:rPr>
+              <a:t>[a-</a:t>
+            </a:r>
+            <a:r>
+              <a:rPr lang="es-ES" sz="2000" b="1" dirty="0" err="1">
+                <a:solidFill>
+                  <a:schemeClr val="tx1">
+                    <a:lumMod val="95000"/>
+                    <a:lumOff val="5000"/>
+                  </a:schemeClr>
+                </a:solidFill>
+              </a:rPr>
+              <a:t>zA</a:t>
+            </a:r>
+            <a:r>
+              <a:rPr lang="es-ES" sz="2000" b="1" dirty="0">
+                <a:solidFill>
+                  <a:schemeClr val="tx1">
+                    <a:lumMod val="95000"/>
+                    <a:lumOff val="5000"/>
+                  </a:schemeClr>
+                </a:solidFill>
+              </a:rPr>
+              <a:t>-Z] </a:t>
+            </a:r>
+            <a:r>
+              <a:rPr lang="es-ES" sz="2000" dirty="0">
+                <a:solidFill>
+                  <a:schemeClr val="tx1">
+                    <a:lumMod val="95000"/>
+                    <a:lumOff val="5000"/>
+                  </a:schemeClr>
+                </a:solidFill>
+              </a:rPr>
+              <a:t>una o más letras.</a:t>
+            </a:r>
+          </a:p>
+        </p:txBody>
+      </p:sp>
     </p:spTree>
     <p:extLst>
       <p:ext uri="{BB962C8B-B14F-4D97-AF65-F5344CB8AC3E}">
-        <p14:creationId xmlns:p14="http://schemas.microsoft.com/office/powerpoint/2010/main" val="1923512369"/>
+        <p14:creationId xmlns:p14="http://schemas.microsoft.com/office/powerpoint/2010/main" val="155978432"/>
       </p:ext>
     </p:extLst>
   </p:cSld>
@@ -19139,7 +19274,7 @@
                 </a:solidFill>
                 <a:effectLst/>
               </a:rPr>
-              <a:t>Seleccionar correo electrónico.</a:t>
+              <a:t>Seleccionar correo electrónico. </a:t>
             </a:r>
             <a:endParaRPr lang="es-ES" sz="2000" dirty="0">
               <a:solidFill>
@@ -19154,10 +19289,10 @@
       </p:sp>
       <p:pic>
         <p:nvPicPr>
-          <p:cNvPr id="3" name="Picture 2">
+          <p:cNvPr id="4" name="Picture 3">
             <a:extLst>
               <a:ext uri="{FF2B5EF4-FFF2-40B4-BE49-F238E27FC236}">
-                <a16:creationId xmlns:a16="http://schemas.microsoft.com/office/drawing/2014/main" id="{D5E17689-6A8A-C043-9728-8D87DDF7DD71}"/>
+                <a16:creationId xmlns:a16="http://schemas.microsoft.com/office/drawing/2014/main" id="{A96E5DF4-656B-1B0A-FF2A-737F9C05E93F}"/>
               </a:ext>
             </a:extLst>
           </p:cNvPr>
@@ -19174,8 +19309,8 @@
         </p:blipFill>
         <p:spPr>
           <a:xfrm>
-            <a:off x="1673643" y="1772816"/>
-            <a:ext cx="5595428" cy="4594690"/>
+            <a:off x="1691680" y="1772816"/>
+            <a:ext cx="5472608" cy="4717764"/>
           </a:xfrm>
           <a:prstGeom prst="rect">
             <a:avLst/>
@@ -19185,7 +19320,7 @@
     </p:spTree>
     <p:extLst>
       <p:ext uri="{BB962C8B-B14F-4D97-AF65-F5344CB8AC3E}">
-        <p14:creationId xmlns:p14="http://schemas.microsoft.com/office/powerpoint/2010/main" val="1828510850"/>
+        <p14:creationId xmlns:p14="http://schemas.microsoft.com/office/powerpoint/2010/main" val="1923512369"/>
       </p:ext>
     </p:extLst>
   </p:cSld>
@@ -21469,41 +21604,88 @@
                 </a:solidFill>
                 <a:effectLst/>
               </a:rPr>
-              <a:t>Las expresiones regulares son una fórmula </a:t>
-            </a:r>
-            <a:r>
-              <a:rPr lang="es-ES" sz="2000" dirty="0">
+              <a:t>Las </a:t>
+            </a:r>
+            <a:r>
+              <a:rPr lang="es-ES" sz="2000" b="1" i="0" dirty="0">
+                <a:solidFill>
+                  <a:schemeClr val="accent6">
+                    <a:lumMod val="75000"/>
+                  </a:schemeClr>
+                </a:solidFill>
+                <a:effectLst/>
+              </a:rPr>
+              <a:t>expresiones regulares </a:t>
+            </a:r>
+            <a:r>
+              <a:rPr lang="es-ES" sz="2000" i="0" dirty="0">
                 <a:solidFill>
                   <a:schemeClr val="tx1">
                     <a:lumMod val="95000"/>
                     <a:lumOff val="5000"/>
                   </a:schemeClr>
                 </a:solidFill>
-              </a:rPr>
-              <a:t>que </a:t>
-            </a:r>
-            <a:r>
-              <a:rPr lang="es-ES" sz="2000" i="0" dirty="0">
+                <a:effectLst/>
+              </a:rPr>
+              <a:t>son una fórmula </a:t>
+            </a:r>
+            <a:r>
+              <a:rPr lang="es-ES" sz="2000" dirty="0">
                 <a:solidFill>
                   <a:schemeClr val="tx1">
                     <a:lumMod val="95000"/>
                     <a:lumOff val="5000"/>
                   </a:schemeClr>
                 </a:solidFill>
-                <a:effectLst/>
-              </a:rPr>
-              <a:t>va a buscar dentro de nuestro texto coincidencias. </a:t>
-            </a:r>
-            <a:r>
-              <a:rPr lang="es-ES" sz="2000" dirty="0">
+              </a:rPr>
+              <a:t>que </a:t>
+            </a:r>
+            <a:r>
+              <a:rPr lang="es-ES" sz="2000" i="0" dirty="0">
                 <a:solidFill>
                   <a:schemeClr val="tx1">
                     <a:lumMod val="95000"/>
                     <a:lumOff val="5000"/>
                   </a:schemeClr>
                 </a:solidFill>
-              </a:rPr>
-              <a:t>Que es una coincidencia, que el texto de arriba, sea el mismo de abajo. </a:t>
+                <a:effectLst/>
+              </a:rPr>
+              <a:t>va a buscar dentro de nuestro texto </a:t>
+            </a:r>
+            <a:r>
+              <a:rPr lang="es-ES" sz="2000" b="1" i="0" dirty="0">
+                <a:solidFill>
+                  <a:schemeClr val="tx1">
+                    <a:lumMod val="95000"/>
+                    <a:lumOff val="5000"/>
+                  </a:schemeClr>
+                </a:solidFill>
+                <a:effectLst/>
+              </a:rPr>
+              <a:t>coincidencias</a:t>
+            </a:r>
+            <a:r>
+              <a:rPr lang="es-ES" sz="2000" i="0" dirty="0">
+                <a:solidFill>
+                  <a:schemeClr val="tx1">
+                    <a:lumMod val="95000"/>
+                    <a:lumOff val="5000"/>
+                  </a:schemeClr>
+                </a:solidFill>
+                <a:effectLst/>
+              </a:rPr>
+              <a:t>. Pero ¿q</a:t>
+            </a:r>
+            <a:r>
+              <a:rPr lang="es-ES" sz="2000" dirty="0">
+                <a:solidFill>
+                  <a:schemeClr val="tx1">
+                    <a:lumMod val="95000"/>
+                    <a:lumOff val="5000"/>
+                  </a:schemeClr>
+                </a:solidFill>
+              </a:rPr>
+              <a:t>ué es una coincidencia?, que el texto de arriba sea el mismo que el de abajo. </a:t>
             </a:r>
             <a:endParaRPr lang="es-ES" sz="2000" b="1" dirty="0">
               <a:solidFill>
